--- a/zz_document/project_Parfait/XX_conceptUI.pptx
+++ b/zz_document/project_Parfait/XX_conceptUI.pptx
@@ -13,6 +13,12 @@
     <p:sldId id="257" r:id="rId7"/>
     <p:sldId id="259" r:id="rId8"/>
     <p:sldId id="260" r:id="rId9"/>
+    <p:sldId id="267" r:id="rId10"/>
+    <p:sldId id="265" r:id="rId11"/>
+    <p:sldId id="269" r:id="rId12"/>
+    <p:sldId id="270" r:id="rId13"/>
+    <p:sldId id="268" r:id="rId14"/>
+    <p:sldId id="266" r:id="rId15"/>
   </p:sldIdLst>
   <p:sldSz cx="6492875" cy="6858000"/>
   <p:notesSz cx="6858000" cy="9144000"/>
@@ -250,7 +256,7 @@
           <a:p>
             <a:fld id="{DD6A9507-D28A-446F-914D-43B2607C29D4}" type="datetimeFigureOut">
               <a:rPr kumimoji="1" lang="ja-JP" altLang="en-US" smtClean="0"/>
-              <a:t>2022/4/2</a:t>
+              <a:t>2022/5/4</a:t>
             </a:fld>
             <a:endParaRPr kumimoji="1" lang="ja-JP" altLang="en-US"/>
           </a:p>
@@ -420,7 +426,7 @@
           <a:p>
             <a:fld id="{DD6A9507-D28A-446F-914D-43B2607C29D4}" type="datetimeFigureOut">
               <a:rPr kumimoji="1" lang="ja-JP" altLang="en-US" smtClean="0"/>
-              <a:t>2022/4/2</a:t>
+              <a:t>2022/5/4</a:t>
             </a:fld>
             <a:endParaRPr kumimoji="1" lang="ja-JP" altLang="en-US"/>
           </a:p>
@@ -600,7 +606,7 @@
           <a:p>
             <a:fld id="{DD6A9507-D28A-446F-914D-43B2607C29D4}" type="datetimeFigureOut">
               <a:rPr kumimoji="1" lang="ja-JP" altLang="en-US" smtClean="0"/>
-              <a:t>2022/4/2</a:t>
+              <a:t>2022/5/4</a:t>
             </a:fld>
             <a:endParaRPr kumimoji="1" lang="ja-JP" altLang="en-US"/>
           </a:p>
@@ -770,7 +776,7 @@
           <a:p>
             <a:fld id="{DD6A9507-D28A-446F-914D-43B2607C29D4}" type="datetimeFigureOut">
               <a:rPr kumimoji="1" lang="ja-JP" altLang="en-US" smtClean="0"/>
-              <a:t>2022/4/2</a:t>
+              <a:t>2022/5/4</a:t>
             </a:fld>
             <a:endParaRPr kumimoji="1" lang="ja-JP" altLang="en-US"/>
           </a:p>
@@ -1014,7 +1020,7 @@
           <a:p>
             <a:fld id="{DD6A9507-D28A-446F-914D-43B2607C29D4}" type="datetimeFigureOut">
               <a:rPr kumimoji="1" lang="ja-JP" altLang="en-US" smtClean="0"/>
-              <a:t>2022/4/2</a:t>
+              <a:t>2022/5/4</a:t>
             </a:fld>
             <a:endParaRPr kumimoji="1" lang="ja-JP" altLang="en-US"/>
           </a:p>
@@ -1246,7 +1252,7 @@
           <a:p>
             <a:fld id="{DD6A9507-D28A-446F-914D-43B2607C29D4}" type="datetimeFigureOut">
               <a:rPr kumimoji="1" lang="ja-JP" altLang="en-US" smtClean="0"/>
-              <a:t>2022/4/2</a:t>
+              <a:t>2022/5/4</a:t>
             </a:fld>
             <a:endParaRPr kumimoji="1" lang="ja-JP" altLang="en-US"/>
           </a:p>
@@ -1613,7 +1619,7 @@
           <a:p>
             <a:fld id="{DD6A9507-D28A-446F-914D-43B2607C29D4}" type="datetimeFigureOut">
               <a:rPr kumimoji="1" lang="ja-JP" altLang="en-US" smtClean="0"/>
-              <a:t>2022/4/2</a:t>
+              <a:t>2022/5/4</a:t>
             </a:fld>
             <a:endParaRPr kumimoji="1" lang="ja-JP" altLang="en-US"/>
           </a:p>
@@ -1731,7 +1737,7 @@
           <a:p>
             <a:fld id="{DD6A9507-D28A-446F-914D-43B2607C29D4}" type="datetimeFigureOut">
               <a:rPr kumimoji="1" lang="ja-JP" altLang="en-US" smtClean="0"/>
-              <a:t>2022/4/2</a:t>
+              <a:t>2022/5/4</a:t>
             </a:fld>
             <a:endParaRPr kumimoji="1" lang="ja-JP" altLang="en-US"/>
           </a:p>
@@ -1826,7 +1832,7 @@
           <a:p>
             <a:fld id="{DD6A9507-D28A-446F-914D-43B2607C29D4}" type="datetimeFigureOut">
               <a:rPr kumimoji="1" lang="ja-JP" altLang="en-US" smtClean="0"/>
-              <a:t>2022/4/2</a:t>
+              <a:t>2022/5/4</a:t>
             </a:fld>
             <a:endParaRPr kumimoji="1" lang="ja-JP" altLang="en-US"/>
           </a:p>
@@ -2103,7 +2109,7 @@
           <a:p>
             <a:fld id="{DD6A9507-D28A-446F-914D-43B2607C29D4}" type="datetimeFigureOut">
               <a:rPr kumimoji="1" lang="ja-JP" altLang="en-US" smtClean="0"/>
-              <a:t>2022/4/2</a:t>
+              <a:t>2022/5/4</a:t>
             </a:fld>
             <a:endParaRPr kumimoji="1" lang="ja-JP" altLang="en-US"/>
           </a:p>
@@ -2360,7 +2366,7 @@
           <a:p>
             <a:fld id="{DD6A9507-D28A-446F-914D-43B2607C29D4}" type="datetimeFigureOut">
               <a:rPr kumimoji="1" lang="ja-JP" altLang="en-US" smtClean="0"/>
-              <a:t>2022/4/2</a:t>
+              <a:t>2022/5/4</a:t>
             </a:fld>
             <a:endParaRPr kumimoji="1" lang="ja-JP" altLang="en-US"/>
           </a:p>
@@ -2573,7 +2579,7 @@
           <a:p>
             <a:fld id="{DD6A9507-D28A-446F-914D-43B2607C29D4}" type="datetimeFigureOut">
               <a:rPr kumimoji="1" lang="ja-JP" altLang="en-US" smtClean="0"/>
-              <a:t>2022/4/2</a:t>
+              <a:t>2022/5/4</a:t>
             </a:fld>
             <a:endParaRPr kumimoji="1" lang="ja-JP" altLang="en-US"/>
           </a:p>
@@ -3320,6 +3326,1130 @@
 </p:sld>
 </file>
 
+<file path=ppt/slides/slide10.xml><?xml version="1.0" encoding="utf-8"?>
+<p:sld xmlns:a="http://schemas.openxmlformats.org/drawingml/2006/main" xmlns:r="http://schemas.openxmlformats.org/officeDocument/2006/relationships" xmlns:p="http://schemas.openxmlformats.org/presentationml/2006/main">
+  <p:cSld>
+    <p:spTree>
+      <p:nvGrpSpPr>
+        <p:cNvPr id="1" name=""/>
+        <p:cNvGrpSpPr/>
+        <p:nvPr/>
+      </p:nvGrpSpPr>
+      <p:grpSpPr>
+        <a:xfrm>
+          <a:off x="0" y="0"/>
+          <a:ext cx="0" cy="0"/>
+          <a:chOff x="0" y="0"/>
+          <a:chExt cx="0" cy="0"/>
+        </a:xfrm>
+      </p:grpSpPr>
+      <p:pic>
+        <p:nvPicPr>
+          <p:cNvPr id="4" name="Picture 3">
+            <a:extLst>
+              <a:ext uri="{FF2B5EF4-FFF2-40B4-BE49-F238E27FC236}">
+                <a16:creationId xmlns:a16="http://schemas.microsoft.com/office/drawing/2014/main" id="{A31949FD-6D97-5457-5689-5297BAA0942E}"/>
+              </a:ext>
+            </a:extLst>
+          </p:cNvPr>
+          <p:cNvPicPr>
+            <a:picLocks noChangeAspect="1"/>
+          </p:cNvPicPr>
+          <p:nvPr/>
+        </p:nvPicPr>
+        <p:blipFill>
+          <a:blip r:embed="rId2">
+            <a:extLst>
+              <a:ext uri="{28A0092B-C50C-407E-A947-70E740481C1C}">
+                <a14:useLocalDpi xmlns:a14="http://schemas.microsoft.com/office/drawing/2010/main" val="0"/>
+              </a:ext>
+            </a:extLst>
+          </a:blip>
+          <a:stretch>
+            <a:fillRect/>
+          </a:stretch>
+        </p:blipFill>
+        <p:spPr>
+          <a:xfrm>
+            <a:off x="4021457" y="3181775"/>
+            <a:ext cx="1520362" cy="1753645"/>
+          </a:xfrm>
+          <a:prstGeom prst="rect">
+            <a:avLst/>
+          </a:prstGeom>
+        </p:spPr>
+      </p:pic>
+      <p:pic>
+        <p:nvPicPr>
+          <p:cNvPr id="12" name="Picture 11">
+            <a:extLst>
+              <a:ext uri="{FF2B5EF4-FFF2-40B4-BE49-F238E27FC236}">
+                <a16:creationId xmlns:a16="http://schemas.microsoft.com/office/drawing/2014/main" id="{5C91A6FD-B337-8EEF-D7DC-89E90C828AFD}"/>
+              </a:ext>
+            </a:extLst>
+          </p:cNvPr>
+          <p:cNvPicPr>
+            <a:picLocks noChangeAspect="1"/>
+          </p:cNvPicPr>
+          <p:nvPr/>
+        </p:nvPicPr>
+        <p:blipFill>
+          <a:blip r:embed="rId3">
+            <a:extLst>
+              <a:ext uri="{28A0092B-C50C-407E-A947-70E740481C1C}">
+                <a14:useLocalDpi xmlns:a14="http://schemas.microsoft.com/office/drawing/2010/main" val="0"/>
+              </a:ext>
+            </a:extLst>
+          </a:blip>
+          <a:stretch>
+            <a:fillRect/>
+          </a:stretch>
+        </p:blipFill>
+        <p:spPr>
+          <a:xfrm>
+            <a:off x="840702" y="3181775"/>
+            <a:ext cx="1800571" cy="1675365"/>
+          </a:xfrm>
+          <a:prstGeom prst="rect">
+            <a:avLst/>
+          </a:prstGeom>
+        </p:spPr>
+      </p:pic>
+      <p:sp>
+        <p:nvSpPr>
+          <p:cNvPr id="14" name="Rectangle 13">
+            <a:extLst>
+              <a:ext uri="{FF2B5EF4-FFF2-40B4-BE49-F238E27FC236}">
+                <a16:creationId xmlns:a16="http://schemas.microsoft.com/office/drawing/2014/main" id="{BD53F7A8-5C62-44E5-6483-866F4F3921E2}"/>
+              </a:ext>
+            </a:extLst>
+          </p:cNvPr>
+          <p:cNvSpPr/>
+          <p:nvPr/>
+        </p:nvSpPr>
+        <p:spPr>
+          <a:xfrm>
+            <a:off x="614251" y="1787166"/>
+            <a:ext cx="5350780" cy="1051377"/>
+          </a:xfrm>
+          <a:prstGeom prst="rect">
+            <a:avLst/>
+          </a:prstGeom>
+          <a:solidFill>
+            <a:schemeClr val="bg1"/>
+          </a:solidFill>
+          <a:ln>
+            <a:solidFill>
+              <a:schemeClr val="bg1"/>
+            </a:solidFill>
+          </a:ln>
+        </p:spPr>
+        <p:style>
+          <a:lnRef idx="2">
+            <a:schemeClr val="dk1"/>
+          </a:lnRef>
+          <a:fillRef idx="1">
+            <a:schemeClr val="lt1"/>
+          </a:fillRef>
+          <a:effectRef idx="0">
+            <a:schemeClr val="dk1"/>
+          </a:effectRef>
+          <a:fontRef idx="minor">
+            <a:schemeClr val="dk1"/>
+          </a:fontRef>
+        </p:style>
+        <p:txBody>
+          <a:bodyPr rtlCol="0" anchor="ctr"/>
+          <a:lstStyle/>
+          <a:p>
+            <a:r>
+              <a:rPr lang="en-US" altLang="ja-JP" sz="2120" b="1" dirty="0"/>
+              <a:t>2. Learners send you lesson requests </a:t>
+            </a:r>
+          </a:p>
+        </p:txBody>
+      </p:sp>
+      <p:sp>
+        <p:nvSpPr>
+          <p:cNvPr id="15" name="Arrow: Left 14">
+            <a:extLst>
+              <a:ext uri="{FF2B5EF4-FFF2-40B4-BE49-F238E27FC236}">
+                <a16:creationId xmlns:a16="http://schemas.microsoft.com/office/drawing/2014/main" id="{F99B06F8-66C0-FD4B-78AF-AD0A9FA68DD9}"/>
+              </a:ext>
+            </a:extLst>
+          </p:cNvPr>
+          <p:cNvSpPr/>
+          <p:nvPr/>
+        </p:nvSpPr>
+        <p:spPr>
+          <a:xfrm>
+            <a:off x="2890837" y="3901579"/>
+            <a:ext cx="711200" cy="504167"/>
+          </a:xfrm>
+          <a:prstGeom prst="leftArrow">
+            <a:avLst/>
+          </a:prstGeom>
+        </p:spPr>
+        <p:style>
+          <a:lnRef idx="3">
+            <a:schemeClr val="lt1"/>
+          </a:lnRef>
+          <a:fillRef idx="1">
+            <a:schemeClr val="dk1"/>
+          </a:fillRef>
+          <a:effectRef idx="1">
+            <a:schemeClr val="dk1"/>
+          </a:effectRef>
+          <a:fontRef idx="minor">
+            <a:schemeClr val="lt1"/>
+          </a:fontRef>
+        </p:style>
+        <p:txBody>
+          <a:bodyPr rtlCol="0" anchor="ctr"/>
+          <a:lstStyle/>
+          <a:p>
+            <a:pPr algn="ctr"/>
+            <a:endParaRPr kumimoji="1" lang="ja-JP" altLang="en-US"/>
+          </a:p>
+        </p:txBody>
+      </p:sp>
+      <p:pic>
+        <p:nvPicPr>
+          <p:cNvPr id="17" name="Graphic 16" descr="Envelope">
+            <a:extLst>
+              <a:ext uri="{FF2B5EF4-FFF2-40B4-BE49-F238E27FC236}">
+                <a16:creationId xmlns:a16="http://schemas.microsoft.com/office/drawing/2014/main" id="{5D7E4487-0ECF-9BC9-C4AB-244566E1DFD5}"/>
+              </a:ext>
+            </a:extLst>
+          </p:cNvPr>
+          <p:cNvPicPr>
+            <a:picLocks noChangeAspect="1"/>
+          </p:cNvPicPr>
+          <p:nvPr/>
+        </p:nvPicPr>
+        <p:blipFill>
+          <a:blip r:embed="rId4">
+            <a:extLst>
+              <a:ext uri="{28A0092B-C50C-407E-A947-70E740481C1C}">
+                <a14:useLocalDpi xmlns:a14="http://schemas.microsoft.com/office/drawing/2010/main" val="0"/>
+              </a:ext>
+              <a:ext uri="{96DAC541-7B7A-43D3-8B79-37D633B846F1}">
+                <asvg:svgBlip xmlns:asvg="http://schemas.microsoft.com/office/drawing/2016/SVG/main" r:embed="rId5"/>
+              </a:ext>
+            </a:extLst>
+          </a:blip>
+          <a:stretch>
+            <a:fillRect/>
+          </a:stretch>
+        </p:blipFill>
+        <p:spPr>
+          <a:xfrm>
+            <a:off x="3060693" y="3510282"/>
+            <a:ext cx="482469" cy="482469"/>
+          </a:xfrm>
+          <a:prstGeom prst="rect">
+            <a:avLst/>
+          </a:prstGeom>
+        </p:spPr>
+      </p:pic>
+    </p:spTree>
+    <p:extLst>
+      <p:ext uri="{BB962C8B-B14F-4D97-AF65-F5344CB8AC3E}">
+        <p14:creationId xmlns:p14="http://schemas.microsoft.com/office/powerpoint/2010/main" val="2009981895"/>
+      </p:ext>
+    </p:extLst>
+  </p:cSld>
+  <p:clrMapOvr>
+    <a:masterClrMapping/>
+  </p:clrMapOvr>
+</p:sld>
+</file>
+
+<file path=ppt/slides/slide11.xml><?xml version="1.0" encoding="utf-8"?>
+<p:sld xmlns:a="http://schemas.openxmlformats.org/drawingml/2006/main" xmlns:r="http://schemas.openxmlformats.org/officeDocument/2006/relationships" xmlns:p="http://schemas.openxmlformats.org/presentationml/2006/main">
+  <p:cSld>
+    <p:spTree>
+      <p:nvGrpSpPr>
+        <p:cNvPr id="1" name=""/>
+        <p:cNvGrpSpPr/>
+        <p:nvPr/>
+      </p:nvGrpSpPr>
+      <p:grpSpPr>
+        <a:xfrm>
+          <a:off x="0" y="0"/>
+          <a:ext cx="0" cy="0"/>
+          <a:chOff x="0" y="0"/>
+          <a:chExt cx="0" cy="0"/>
+        </a:xfrm>
+      </p:grpSpPr>
+      <p:pic>
+        <p:nvPicPr>
+          <p:cNvPr id="12" name="Picture 11">
+            <a:extLst>
+              <a:ext uri="{FF2B5EF4-FFF2-40B4-BE49-F238E27FC236}">
+                <a16:creationId xmlns:a16="http://schemas.microsoft.com/office/drawing/2014/main" id="{5C91A6FD-B337-8EEF-D7DC-89E90C828AFD}"/>
+              </a:ext>
+            </a:extLst>
+          </p:cNvPr>
+          <p:cNvPicPr>
+            <a:picLocks noChangeAspect="1"/>
+          </p:cNvPicPr>
+          <p:nvPr/>
+        </p:nvPicPr>
+        <p:blipFill>
+          <a:blip r:embed="rId2">
+            <a:extLst>
+              <a:ext uri="{28A0092B-C50C-407E-A947-70E740481C1C}">
+                <a14:useLocalDpi xmlns:a14="http://schemas.microsoft.com/office/drawing/2010/main" val="0"/>
+              </a:ext>
+            </a:extLst>
+          </a:blip>
+          <a:stretch>
+            <a:fillRect/>
+          </a:stretch>
+        </p:blipFill>
+        <p:spPr>
+          <a:xfrm>
+            <a:off x="1318468" y="3192520"/>
+            <a:ext cx="1800571" cy="1675365"/>
+          </a:xfrm>
+          <a:prstGeom prst="rect">
+            <a:avLst/>
+          </a:prstGeom>
+        </p:spPr>
+      </p:pic>
+      <p:sp>
+        <p:nvSpPr>
+          <p:cNvPr id="14" name="Rectangle 13">
+            <a:extLst>
+              <a:ext uri="{FF2B5EF4-FFF2-40B4-BE49-F238E27FC236}">
+                <a16:creationId xmlns:a16="http://schemas.microsoft.com/office/drawing/2014/main" id="{BD53F7A8-5C62-44E5-6483-866F4F3921E2}"/>
+              </a:ext>
+            </a:extLst>
+          </p:cNvPr>
+          <p:cNvSpPr/>
+          <p:nvPr/>
+        </p:nvSpPr>
+        <p:spPr>
+          <a:xfrm>
+            <a:off x="614251" y="1787166"/>
+            <a:ext cx="5350780" cy="1051377"/>
+          </a:xfrm>
+          <a:prstGeom prst="rect">
+            <a:avLst/>
+          </a:prstGeom>
+          <a:solidFill>
+            <a:schemeClr val="bg1"/>
+          </a:solidFill>
+          <a:ln>
+            <a:solidFill>
+              <a:schemeClr val="bg1"/>
+            </a:solidFill>
+          </a:ln>
+        </p:spPr>
+        <p:style>
+          <a:lnRef idx="2">
+            <a:schemeClr val="dk1"/>
+          </a:lnRef>
+          <a:fillRef idx="1">
+            <a:schemeClr val="lt1"/>
+          </a:fillRef>
+          <a:effectRef idx="0">
+            <a:schemeClr val="dk1"/>
+          </a:effectRef>
+          <a:fontRef idx="minor">
+            <a:schemeClr val="dk1"/>
+          </a:fontRef>
+        </p:style>
+        <p:txBody>
+          <a:bodyPr rtlCol="0" anchor="ctr"/>
+          <a:lstStyle/>
+          <a:p>
+            <a:r>
+              <a:rPr lang="en-US" altLang="ja-JP" sz="2120" b="1" dirty="0"/>
+              <a:t>3. You can accept requests</a:t>
+            </a:r>
+          </a:p>
+        </p:txBody>
+      </p:sp>
+      <p:pic>
+        <p:nvPicPr>
+          <p:cNvPr id="17" name="Graphic 16" descr="Envelope">
+            <a:extLst>
+              <a:ext uri="{FF2B5EF4-FFF2-40B4-BE49-F238E27FC236}">
+                <a16:creationId xmlns:a16="http://schemas.microsoft.com/office/drawing/2014/main" id="{5D7E4487-0ECF-9BC9-C4AB-244566E1DFD5}"/>
+              </a:ext>
+            </a:extLst>
+          </p:cNvPr>
+          <p:cNvPicPr>
+            <a:picLocks noChangeAspect="1"/>
+          </p:cNvPicPr>
+          <p:nvPr/>
+        </p:nvPicPr>
+        <p:blipFill>
+          <a:blip r:embed="rId3">
+            <a:extLst>
+              <a:ext uri="{28A0092B-C50C-407E-A947-70E740481C1C}">
+                <a14:useLocalDpi xmlns:a14="http://schemas.microsoft.com/office/drawing/2010/main" val="0"/>
+              </a:ext>
+              <a:ext uri="{96DAC541-7B7A-43D3-8B79-37D633B846F1}">
+                <asvg:svgBlip xmlns:asvg="http://schemas.microsoft.com/office/drawing/2016/SVG/main" r:embed="rId4"/>
+              </a:ext>
+            </a:extLst>
+          </a:blip>
+          <a:stretch>
+            <a:fillRect/>
+          </a:stretch>
+        </p:blipFill>
+        <p:spPr>
+          <a:xfrm>
+            <a:off x="3373837" y="3429000"/>
+            <a:ext cx="1465125" cy="1465125"/>
+          </a:xfrm>
+          <a:prstGeom prst="rect">
+            <a:avLst/>
+          </a:prstGeom>
+        </p:spPr>
+      </p:pic>
+      <p:pic>
+        <p:nvPicPr>
+          <p:cNvPr id="3" name="Graphic 2" descr="Checkmark">
+            <a:extLst>
+              <a:ext uri="{FF2B5EF4-FFF2-40B4-BE49-F238E27FC236}">
+                <a16:creationId xmlns:a16="http://schemas.microsoft.com/office/drawing/2014/main" id="{57CB158F-27E7-9DA8-B6DF-261CA0DCC823}"/>
+              </a:ext>
+            </a:extLst>
+          </p:cNvPr>
+          <p:cNvPicPr>
+            <a:picLocks noChangeAspect="1"/>
+          </p:cNvPicPr>
+          <p:nvPr/>
+        </p:nvPicPr>
+        <p:blipFill>
+          <a:blip r:embed="rId5">
+            <a:extLst>
+              <a:ext uri="{28A0092B-C50C-407E-A947-70E740481C1C}">
+                <a14:useLocalDpi xmlns:a14="http://schemas.microsoft.com/office/drawing/2010/main" val="0"/>
+              </a:ext>
+              <a:ext uri="{96DAC541-7B7A-43D3-8B79-37D633B846F1}">
+                <asvg:svgBlip xmlns:asvg="http://schemas.microsoft.com/office/drawing/2016/SVG/main" r:embed="rId6"/>
+              </a:ext>
+            </a:extLst>
+          </a:blip>
+          <a:stretch>
+            <a:fillRect/>
+          </a:stretch>
+        </p:blipFill>
+        <p:spPr>
+          <a:xfrm>
+            <a:off x="3649199" y="3267944"/>
+            <a:ext cx="914400" cy="914400"/>
+          </a:xfrm>
+          <a:prstGeom prst="rect">
+            <a:avLst/>
+          </a:prstGeom>
+        </p:spPr>
+      </p:pic>
+    </p:spTree>
+    <p:extLst>
+      <p:ext uri="{BB962C8B-B14F-4D97-AF65-F5344CB8AC3E}">
+        <p14:creationId xmlns:p14="http://schemas.microsoft.com/office/powerpoint/2010/main" val="1430048588"/>
+      </p:ext>
+    </p:extLst>
+  </p:cSld>
+  <p:clrMapOvr>
+    <a:masterClrMapping/>
+  </p:clrMapOvr>
+</p:sld>
+</file>
+
+<file path=ppt/slides/slide12.xml><?xml version="1.0" encoding="utf-8"?>
+<p:sld xmlns:a="http://schemas.openxmlformats.org/drawingml/2006/main" xmlns:r="http://schemas.openxmlformats.org/officeDocument/2006/relationships" xmlns:p="http://schemas.openxmlformats.org/presentationml/2006/main">
+  <p:cSld>
+    <p:spTree>
+      <p:nvGrpSpPr>
+        <p:cNvPr id="1" name=""/>
+        <p:cNvGrpSpPr/>
+        <p:nvPr/>
+      </p:nvGrpSpPr>
+      <p:grpSpPr>
+        <a:xfrm>
+          <a:off x="0" y="0"/>
+          <a:ext cx="0" cy="0"/>
+          <a:chOff x="0" y="0"/>
+          <a:chExt cx="0" cy="0"/>
+        </a:xfrm>
+      </p:grpSpPr>
+      <p:pic>
+        <p:nvPicPr>
+          <p:cNvPr id="12" name="Picture 11">
+            <a:extLst>
+              <a:ext uri="{FF2B5EF4-FFF2-40B4-BE49-F238E27FC236}">
+                <a16:creationId xmlns:a16="http://schemas.microsoft.com/office/drawing/2014/main" id="{5C91A6FD-B337-8EEF-D7DC-89E90C828AFD}"/>
+              </a:ext>
+            </a:extLst>
+          </p:cNvPr>
+          <p:cNvPicPr>
+            <a:picLocks noChangeAspect="1"/>
+          </p:cNvPicPr>
+          <p:nvPr/>
+        </p:nvPicPr>
+        <p:blipFill>
+          <a:blip r:embed="rId2">
+            <a:extLst>
+              <a:ext uri="{28A0092B-C50C-407E-A947-70E740481C1C}">
+                <a14:useLocalDpi xmlns:a14="http://schemas.microsoft.com/office/drawing/2010/main" val="0"/>
+              </a:ext>
+            </a:extLst>
+          </a:blip>
+          <a:stretch>
+            <a:fillRect/>
+          </a:stretch>
+        </p:blipFill>
+        <p:spPr>
+          <a:xfrm>
+            <a:off x="762138" y="3192520"/>
+            <a:ext cx="1800571" cy="1675365"/>
+          </a:xfrm>
+          <a:prstGeom prst="rect">
+            <a:avLst/>
+          </a:prstGeom>
+        </p:spPr>
+      </p:pic>
+      <p:sp>
+        <p:nvSpPr>
+          <p:cNvPr id="14" name="Rectangle 13">
+            <a:extLst>
+              <a:ext uri="{FF2B5EF4-FFF2-40B4-BE49-F238E27FC236}">
+                <a16:creationId xmlns:a16="http://schemas.microsoft.com/office/drawing/2014/main" id="{BD53F7A8-5C62-44E5-6483-866F4F3921E2}"/>
+              </a:ext>
+            </a:extLst>
+          </p:cNvPr>
+          <p:cNvSpPr/>
+          <p:nvPr/>
+        </p:nvSpPr>
+        <p:spPr>
+          <a:xfrm>
+            <a:off x="614251" y="1787166"/>
+            <a:ext cx="5350780" cy="1051377"/>
+          </a:xfrm>
+          <a:prstGeom prst="rect">
+            <a:avLst/>
+          </a:prstGeom>
+          <a:solidFill>
+            <a:schemeClr val="bg1"/>
+          </a:solidFill>
+          <a:ln>
+            <a:solidFill>
+              <a:schemeClr val="bg1"/>
+            </a:solidFill>
+          </a:ln>
+        </p:spPr>
+        <p:style>
+          <a:lnRef idx="2">
+            <a:schemeClr val="dk1"/>
+          </a:lnRef>
+          <a:fillRef idx="1">
+            <a:schemeClr val="lt1"/>
+          </a:fillRef>
+          <a:effectRef idx="0">
+            <a:schemeClr val="dk1"/>
+          </a:effectRef>
+          <a:fontRef idx="minor">
+            <a:schemeClr val="dk1"/>
+          </a:fontRef>
+        </p:style>
+        <p:txBody>
+          <a:bodyPr rtlCol="0" anchor="ctr"/>
+          <a:lstStyle/>
+          <a:p>
+            <a:r>
+              <a:rPr lang="en-US" altLang="ja-JP" sz="2120" b="1" dirty="0"/>
+              <a:t>4. You and learner enter the call room and take lesson</a:t>
+            </a:r>
+          </a:p>
+        </p:txBody>
+      </p:sp>
+      <p:pic>
+        <p:nvPicPr>
+          <p:cNvPr id="6" name="Picture 5">
+            <a:extLst>
+              <a:ext uri="{FF2B5EF4-FFF2-40B4-BE49-F238E27FC236}">
+                <a16:creationId xmlns:a16="http://schemas.microsoft.com/office/drawing/2014/main" id="{1087E47F-6284-C829-555A-6E5AD5C9478A}"/>
+              </a:ext>
+            </a:extLst>
+          </p:cNvPr>
+          <p:cNvPicPr>
+            <a:picLocks noChangeAspect="1"/>
+          </p:cNvPicPr>
+          <p:nvPr/>
+        </p:nvPicPr>
+        <p:blipFill>
+          <a:blip r:embed="rId3">
+            <a:extLst>
+              <a:ext uri="{28A0092B-C50C-407E-A947-70E740481C1C}">
+                <a14:useLocalDpi xmlns:a14="http://schemas.microsoft.com/office/drawing/2010/main" val="0"/>
+              </a:ext>
+            </a:extLst>
+          </a:blip>
+          <a:stretch>
+            <a:fillRect/>
+          </a:stretch>
+        </p:blipFill>
+        <p:spPr>
+          <a:xfrm>
+            <a:off x="4043063" y="3181775"/>
+            <a:ext cx="1520362" cy="1753645"/>
+          </a:xfrm>
+          <a:prstGeom prst="rect">
+            <a:avLst/>
+          </a:prstGeom>
+        </p:spPr>
+      </p:pic>
+      <p:sp>
+        <p:nvSpPr>
+          <p:cNvPr id="2" name="Rectangle: Rounded Corners 1">
+            <a:extLst>
+              <a:ext uri="{FF2B5EF4-FFF2-40B4-BE49-F238E27FC236}">
+                <a16:creationId xmlns:a16="http://schemas.microsoft.com/office/drawing/2014/main" id="{2D660E6F-7E04-F941-296D-B841B09ECD91}"/>
+              </a:ext>
+            </a:extLst>
+          </p:cNvPr>
+          <p:cNvSpPr/>
+          <p:nvPr/>
+        </p:nvSpPr>
+        <p:spPr>
+          <a:xfrm>
+            <a:off x="527844" y="2838543"/>
+            <a:ext cx="5437187" cy="2493818"/>
+          </a:xfrm>
+          <a:prstGeom prst="roundRect">
+            <a:avLst/>
+          </a:prstGeom>
+          <a:noFill/>
+          <a:ln w="57150">
+            <a:solidFill>
+              <a:schemeClr val="tx1"/>
+            </a:solidFill>
+          </a:ln>
+        </p:spPr>
+        <p:style>
+          <a:lnRef idx="2">
+            <a:schemeClr val="accent1">
+              <a:shade val="50000"/>
+            </a:schemeClr>
+          </a:lnRef>
+          <a:fillRef idx="1">
+            <a:schemeClr val="accent1"/>
+          </a:fillRef>
+          <a:effectRef idx="0">
+            <a:schemeClr val="accent1"/>
+          </a:effectRef>
+          <a:fontRef idx="minor">
+            <a:schemeClr val="lt1"/>
+          </a:fontRef>
+        </p:style>
+        <p:txBody>
+          <a:bodyPr rtlCol="0" anchor="ctr"/>
+          <a:lstStyle/>
+          <a:p>
+            <a:pPr algn="ctr"/>
+            <a:endParaRPr kumimoji="1" lang="ja-JP" altLang="en-US"/>
+          </a:p>
+        </p:txBody>
+      </p:sp>
+      <p:sp>
+        <p:nvSpPr>
+          <p:cNvPr id="8" name="Rectangle 7">
+            <a:extLst>
+              <a:ext uri="{FF2B5EF4-FFF2-40B4-BE49-F238E27FC236}">
+                <a16:creationId xmlns:a16="http://schemas.microsoft.com/office/drawing/2014/main" id="{41E4E0DD-C355-D6B2-843B-2CF7249D574A}"/>
+              </a:ext>
+            </a:extLst>
+          </p:cNvPr>
+          <p:cNvSpPr/>
+          <p:nvPr/>
+        </p:nvSpPr>
+        <p:spPr>
+          <a:xfrm>
+            <a:off x="2550104" y="2621225"/>
+            <a:ext cx="1392665" cy="327218"/>
+          </a:xfrm>
+          <a:prstGeom prst="rect">
+            <a:avLst/>
+          </a:prstGeom>
+          <a:solidFill>
+            <a:schemeClr val="bg1"/>
+          </a:solidFill>
+          <a:ln>
+            <a:solidFill>
+              <a:schemeClr val="bg1"/>
+            </a:solidFill>
+          </a:ln>
+        </p:spPr>
+        <p:style>
+          <a:lnRef idx="2">
+            <a:schemeClr val="dk1"/>
+          </a:lnRef>
+          <a:fillRef idx="1">
+            <a:schemeClr val="lt1"/>
+          </a:fillRef>
+          <a:effectRef idx="0">
+            <a:schemeClr val="dk1"/>
+          </a:effectRef>
+          <a:fontRef idx="minor">
+            <a:schemeClr val="dk1"/>
+          </a:fontRef>
+        </p:style>
+        <p:txBody>
+          <a:bodyPr rtlCol="0" anchor="ctr"/>
+          <a:lstStyle/>
+          <a:p>
+            <a:pPr algn="ctr"/>
+            <a:r>
+              <a:rPr lang="en-US" altLang="ja-JP" sz="2120" b="1" dirty="0"/>
+              <a:t>Call Room</a:t>
+            </a:r>
+          </a:p>
+        </p:txBody>
+      </p:sp>
+      <p:pic>
+        <p:nvPicPr>
+          <p:cNvPr id="5" name="Graphic 4" descr="Speaker Phone">
+            <a:extLst>
+              <a:ext uri="{FF2B5EF4-FFF2-40B4-BE49-F238E27FC236}">
+                <a16:creationId xmlns:a16="http://schemas.microsoft.com/office/drawing/2014/main" id="{0707EF57-6CD7-750E-92F9-BD4442BFDDA2}"/>
+              </a:ext>
+            </a:extLst>
+          </p:cNvPr>
+          <p:cNvPicPr>
+            <a:picLocks noChangeAspect="1"/>
+          </p:cNvPicPr>
+          <p:nvPr/>
+        </p:nvPicPr>
+        <p:blipFill>
+          <a:blip r:embed="rId4">
+            <a:extLst>
+              <a:ext uri="{28A0092B-C50C-407E-A947-70E740481C1C}">
+                <a14:useLocalDpi xmlns:a14="http://schemas.microsoft.com/office/drawing/2010/main" val="0"/>
+              </a:ext>
+              <a:ext uri="{96DAC541-7B7A-43D3-8B79-37D633B846F1}">
+                <asvg:svgBlip xmlns:asvg="http://schemas.microsoft.com/office/drawing/2016/SVG/main" r:embed="rId5"/>
+              </a:ext>
+            </a:extLst>
+          </a:blip>
+          <a:stretch>
+            <a:fillRect/>
+          </a:stretch>
+        </p:blipFill>
+        <p:spPr>
+          <a:xfrm>
+            <a:off x="2105509" y="3142558"/>
+            <a:ext cx="914400" cy="914400"/>
+          </a:xfrm>
+          <a:prstGeom prst="rect">
+            <a:avLst/>
+          </a:prstGeom>
+        </p:spPr>
+      </p:pic>
+      <p:pic>
+        <p:nvPicPr>
+          <p:cNvPr id="13" name="Graphic 12" descr="Speaker Phone">
+            <a:extLst>
+              <a:ext uri="{FF2B5EF4-FFF2-40B4-BE49-F238E27FC236}">
+                <a16:creationId xmlns:a16="http://schemas.microsoft.com/office/drawing/2014/main" id="{8D254064-207C-1523-7352-7BAD710E01CA}"/>
+              </a:ext>
+            </a:extLst>
+          </p:cNvPr>
+          <p:cNvPicPr>
+            <a:picLocks noChangeAspect="1"/>
+          </p:cNvPicPr>
+          <p:nvPr/>
+        </p:nvPicPr>
+        <p:blipFill>
+          <a:blip r:embed="rId4">
+            <a:extLst>
+              <a:ext uri="{28A0092B-C50C-407E-A947-70E740481C1C}">
+                <a14:useLocalDpi xmlns:a14="http://schemas.microsoft.com/office/drawing/2010/main" val="0"/>
+              </a:ext>
+              <a:ext uri="{96DAC541-7B7A-43D3-8B79-37D633B846F1}">
+                <asvg:svgBlip xmlns:asvg="http://schemas.microsoft.com/office/drawing/2016/SVG/main" r:embed="rId5"/>
+              </a:ext>
+            </a:extLst>
+          </a:blip>
+          <a:stretch>
+            <a:fillRect/>
+          </a:stretch>
+        </p:blipFill>
+        <p:spPr>
+          <a:xfrm>
+            <a:off x="3485569" y="3142558"/>
+            <a:ext cx="914400" cy="914400"/>
+          </a:xfrm>
+          <a:prstGeom prst="rect">
+            <a:avLst/>
+          </a:prstGeom>
+        </p:spPr>
+      </p:pic>
+      <p:sp>
+        <p:nvSpPr>
+          <p:cNvPr id="15" name="Arrow: Left-Right 14">
+            <a:extLst>
+              <a:ext uri="{FF2B5EF4-FFF2-40B4-BE49-F238E27FC236}">
+                <a16:creationId xmlns:a16="http://schemas.microsoft.com/office/drawing/2014/main" id="{FD04B8B1-AD24-A477-DEFE-616BEAD37211}"/>
+              </a:ext>
+            </a:extLst>
+          </p:cNvPr>
+          <p:cNvSpPr/>
+          <p:nvPr/>
+        </p:nvSpPr>
+        <p:spPr>
+          <a:xfrm>
+            <a:off x="2897139" y="4022192"/>
+            <a:ext cx="711200" cy="504167"/>
+          </a:xfrm>
+          <a:prstGeom prst="leftRightArrow">
+            <a:avLst/>
+          </a:prstGeom>
+        </p:spPr>
+        <p:style>
+          <a:lnRef idx="3">
+            <a:schemeClr val="lt1"/>
+          </a:lnRef>
+          <a:fillRef idx="1">
+            <a:schemeClr val="dk1"/>
+          </a:fillRef>
+          <a:effectRef idx="1">
+            <a:schemeClr val="dk1"/>
+          </a:effectRef>
+          <a:fontRef idx="minor">
+            <a:schemeClr val="lt1"/>
+          </a:fontRef>
+        </p:style>
+        <p:txBody>
+          <a:bodyPr rtlCol="0" anchor="ctr"/>
+          <a:lstStyle/>
+          <a:p>
+            <a:pPr algn="ctr"/>
+            <a:endParaRPr kumimoji="1" lang="ja-JP" altLang="en-US"/>
+          </a:p>
+        </p:txBody>
+      </p:sp>
+    </p:spTree>
+    <p:extLst>
+      <p:ext uri="{BB962C8B-B14F-4D97-AF65-F5344CB8AC3E}">
+        <p14:creationId xmlns:p14="http://schemas.microsoft.com/office/powerpoint/2010/main" val="928177669"/>
+      </p:ext>
+    </p:extLst>
+  </p:cSld>
+  <p:clrMapOvr>
+    <a:masterClrMapping/>
+  </p:clrMapOvr>
+</p:sld>
+</file>
+
+<file path=ppt/slides/slide13.xml><?xml version="1.0" encoding="utf-8"?>
+<p:sld xmlns:a="http://schemas.openxmlformats.org/drawingml/2006/main" xmlns:r="http://schemas.openxmlformats.org/officeDocument/2006/relationships" xmlns:p="http://schemas.openxmlformats.org/presentationml/2006/main">
+  <p:cSld>
+    <p:spTree>
+      <p:nvGrpSpPr>
+        <p:cNvPr id="1" name=""/>
+        <p:cNvGrpSpPr/>
+        <p:nvPr/>
+      </p:nvGrpSpPr>
+      <p:grpSpPr>
+        <a:xfrm>
+          <a:off x="0" y="0"/>
+          <a:ext cx="0" cy="0"/>
+          <a:chOff x="0" y="0"/>
+          <a:chExt cx="0" cy="0"/>
+        </a:xfrm>
+      </p:grpSpPr>
+      <p:pic>
+        <p:nvPicPr>
+          <p:cNvPr id="4" name="Picture 3">
+            <a:extLst>
+              <a:ext uri="{FF2B5EF4-FFF2-40B4-BE49-F238E27FC236}">
+                <a16:creationId xmlns:a16="http://schemas.microsoft.com/office/drawing/2014/main" id="{A31949FD-6D97-5457-5689-5297BAA0942E}"/>
+              </a:ext>
+            </a:extLst>
+          </p:cNvPr>
+          <p:cNvPicPr>
+            <a:picLocks noChangeAspect="1"/>
+          </p:cNvPicPr>
+          <p:nvPr/>
+        </p:nvPicPr>
+        <p:blipFill>
+          <a:blip r:embed="rId2">
+            <a:extLst>
+              <a:ext uri="{28A0092B-C50C-407E-A947-70E740481C1C}">
+                <a14:useLocalDpi xmlns:a14="http://schemas.microsoft.com/office/drawing/2010/main" val="0"/>
+              </a:ext>
+            </a:extLst>
+          </a:blip>
+          <a:stretch>
+            <a:fillRect/>
+          </a:stretch>
+        </p:blipFill>
+        <p:spPr>
+          <a:xfrm>
+            <a:off x="4021457" y="3181775"/>
+            <a:ext cx="1520362" cy="1753645"/>
+          </a:xfrm>
+          <a:prstGeom prst="rect">
+            <a:avLst/>
+          </a:prstGeom>
+        </p:spPr>
+      </p:pic>
+      <p:pic>
+        <p:nvPicPr>
+          <p:cNvPr id="12" name="Picture 11">
+            <a:extLst>
+              <a:ext uri="{FF2B5EF4-FFF2-40B4-BE49-F238E27FC236}">
+                <a16:creationId xmlns:a16="http://schemas.microsoft.com/office/drawing/2014/main" id="{5C91A6FD-B337-8EEF-D7DC-89E90C828AFD}"/>
+              </a:ext>
+            </a:extLst>
+          </p:cNvPr>
+          <p:cNvPicPr>
+            <a:picLocks noChangeAspect="1"/>
+          </p:cNvPicPr>
+          <p:nvPr/>
+        </p:nvPicPr>
+        <p:blipFill>
+          <a:blip r:embed="rId3">
+            <a:extLst>
+              <a:ext uri="{28A0092B-C50C-407E-A947-70E740481C1C}">
+                <a14:useLocalDpi xmlns:a14="http://schemas.microsoft.com/office/drawing/2010/main" val="0"/>
+              </a:ext>
+            </a:extLst>
+          </a:blip>
+          <a:stretch>
+            <a:fillRect/>
+          </a:stretch>
+        </p:blipFill>
+        <p:spPr>
+          <a:xfrm>
+            <a:off x="840702" y="3181775"/>
+            <a:ext cx="1800571" cy="1675365"/>
+          </a:xfrm>
+          <a:prstGeom prst="rect">
+            <a:avLst/>
+          </a:prstGeom>
+        </p:spPr>
+      </p:pic>
+      <p:sp>
+        <p:nvSpPr>
+          <p:cNvPr id="14" name="Rectangle 13">
+            <a:extLst>
+              <a:ext uri="{FF2B5EF4-FFF2-40B4-BE49-F238E27FC236}">
+                <a16:creationId xmlns:a16="http://schemas.microsoft.com/office/drawing/2014/main" id="{BD53F7A8-5C62-44E5-6483-866F4F3921E2}"/>
+              </a:ext>
+            </a:extLst>
+          </p:cNvPr>
+          <p:cNvSpPr/>
+          <p:nvPr/>
+        </p:nvSpPr>
+        <p:spPr>
+          <a:xfrm>
+            <a:off x="614251" y="1787166"/>
+            <a:ext cx="5350780" cy="1051377"/>
+          </a:xfrm>
+          <a:prstGeom prst="rect">
+            <a:avLst/>
+          </a:prstGeom>
+          <a:solidFill>
+            <a:schemeClr val="bg1"/>
+          </a:solidFill>
+          <a:ln>
+            <a:solidFill>
+              <a:schemeClr val="bg1"/>
+            </a:solidFill>
+          </a:ln>
+        </p:spPr>
+        <p:style>
+          <a:lnRef idx="2">
+            <a:schemeClr val="dk1"/>
+          </a:lnRef>
+          <a:fillRef idx="1">
+            <a:schemeClr val="lt1"/>
+          </a:fillRef>
+          <a:effectRef idx="0">
+            <a:schemeClr val="dk1"/>
+          </a:effectRef>
+          <a:fontRef idx="minor">
+            <a:schemeClr val="dk1"/>
+          </a:fontRef>
+        </p:style>
+        <p:txBody>
+          <a:bodyPr rtlCol="0" anchor="ctr"/>
+          <a:lstStyle/>
+          <a:p>
+            <a:r>
+              <a:rPr lang="en-US" altLang="ja-JP" sz="2120" b="1" dirty="0"/>
+              <a:t>Second, learners send you lesson requests </a:t>
+            </a:r>
+          </a:p>
+        </p:txBody>
+      </p:sp>
+      <p:sp>
+        <p:nvSpPr>
+          <p:cNvPr id="15" name="Arrow: Left 14">
+            <a:extLst>
+              <a:ext uri="{FF2B5EF4-FFF2-40B4-BE49-F238E27FC236}">
+                <a16:creationId xmlns:a16="http://schemas.microsoft.com/office/drawing/2014/main" id="{F99B06F8-66C0-FD4B-78AF-AD0A9FA68DD9}"/>
+              </a:ext>
+            </a:extLst>
+          </p:cNvPr>
+          <p:cNvSpPr/>
+          <p:nvPr/>
+        </p:nvSpPr>
+        <p:spPr>
+          <a:xfrm>
+            <a:off x="2890837" y="3901579"/>
+            <a:ext cx="711200" cy="504167"/>
+          </a:xfrm>
+          <a:prstGeom prst="leftArrow">
+            <a:avLst/>
+          </a:prstGeom>
+        </p:spPr>
+        <p:style>
+          <a:lnRef idx="3">
+            <a:schemeClr val="lt1"/>
+          </a:lnRef>
+          <a:fillRef idx="1">
+            <a:schemeClr val="dk1"/>
+          </a:fillRef>
+          <a:effectRef idx="1">
+            <a:schemeClr val="dk1"/>
+          </a:effectRef>
+          <a:fontRef idx="minor">
+            <a:schemeClr val="lt1"/>
+          </a:fontRef>
+        </p:style>
+        <p:txBody>
+          <a:bodyPr rtlCol="0" anchor="ctr"/>
+          <a:lstStyle/>
+          <a:p>
+            <a:pPr algn="ctr"/>
+            <a:endParaRPr kumimoji="1" lang="ja-JP" altLang="en-US"/>
+          </a:p>
+        </p:txBody>
+      </p:sp>
+    </p:spTree>
+    <p:extLst>
+      <p:ext uri="{BB962C8B-B14F-4D97-AF65-F5344CB8AC3E}">
+        <p14:creationId xmlns:p14="http://schemas.microsoft.com/office/powerpoint/2010/main" val="3336807330"/>
+      </p:ext>
+    </p:extLst>
+  </p:cSld>
+  <p:clrMapOvr>
+    <a:masterClrMapping/>
+  </p:clrMapOvr>
+</p:sld>
+</file>
+
+<file path=ppt/slides/slide14.xml><?xml version="1.0" encoding="utf-8"?>
+<p:sld xmlns:a="http://schemas.openxmlformats.org/drawingml/2006/main" xmlns:r="http://schemas.openxmlformats.org/officeDocument/2006/relationships" xmlns:p="http://schemas.openxmlformats.org/presentationml/2006/main">
+  <p:cSld>
+    <p:spTree>
+      <p:nvGrpSpPr>
+        <p:cNvPr id="1" name=""/>
+        <p:cNvGrpSpPr/>
+        <p:nvPr/>
+      </p:nvGrpSpPr>
+      <p:grpSpPr>
+        <a:xfrm>
+          <a:off x="0" y="0"/>
+          <a:ext cx="0" cy="0"/>
+          <a:chOff x="0" y="0"/>
+          <a:chExt cx="0" cy="0"/>
+        </a:xfrm>
+      </p:grpSpPr>
+      <p:pic>
+        <p:nvPicPr>
+          <p:cNvPr id="4" name="Picture 3">
+            <a:extLst>
+              <a:ext uri="{FF2B5EF4-FFF2-40B4-BE49-F238E27FC236}">
+                <a16:creationId xmlns:a16="http://schemas.microsoft.com/office/drawing/2014/main" id="{A31949FD-6D97-5457-5689-5297BAA0942E}"/>
+              </a:ext>
+            </a:extLst>
+          </p:cNvPr>
+          <p:cNvPicPr>
+            <a:picLocks noChangeAspect="1"/>
+          </p:cNvPicPr>
+          <p:nvPr/>
+        </p:nvPicPr>
+        <p:blipFill>
+          <a:blip r:embed="rId2">
+            <a:extLst>
+              <a:ext uri="{28A0092B-C50C-407E-A947-70E740481C1C}">
+                <a14:useLocalDpi xmlns:a14="http://schemas.microsoft.com/office/drawing/2010/main" val="0"/>
+              </a:ext>
+            </a:extLst>
+          </a:blip>
+          <a:stretch>
+            <a:fillRect/>
+          </a:stretch>
+        </p:blipFill>
+        <p:spPr>
+          <a:xfrm>
+            <a:off x="2046226" y="2044629"/>
+            <a:ext cx="2400423" cy="2768742"/>
+          </a:xfrm>
+          <a:prstGeom prst="rect">
+            <a:avLst/>
+          </a:prstGeom>
+        </p:spPr>
+      </p:pic>
+      <p:pic>
+        <p:nvPicPr>
+          <p:cNvPr id="6" name="Picture 5">
+            <a:extLst>
+              <a:ext uri="{FF2B5EF4-FFF2-40B4-BE49-F238E27FC236}">
+                <a16:creationId xmlns:a16="http://schemas.microsoft.com/office/drawing/2014/main" id="{5C71F951-7D10-A74F-5A51-503768189FC6}"/>
+              </a:ext>
+            </a:extLst>
+          </p:cNvPr>
+          <p:cNvPicPr>
+            <a:picLocks noChangeAspect="1"/>
+          </p:cNvPicPr>
+          <p:nvPr/>
+        </p:nvPicPr>
+        <p:blipFill>
+          <a:blip r:embed="rId3">
+            <a:extLst>
+              <a:ext uri="{28A0092B-C50C-407E-A947-70E740481C1C}">
+                <a14:useLocalDpi xmlns:a14="http://schemas.microsoft.com/office/drawing/2010/main" val="0"/>
+              </a:ext>
+            </a:extLst>
+          </a:blip>
+          <a:stretch>
+            <a:fillRect/>
+          </a:stretch>
+        </p:blipFill>
+        <p:spPr>
+          <a:xfrm>
+            <a:off x="1036691" y="2161309"/>
+            <a:ext cx="2566366" cy="2387910"/>
+          </a:xfrm>
+          <a:prstGeom prst="rect">
+            <a:avLst/>
+          </a:prstGeom>
+        </p:spPr>
+      </p:pic>
+    </p:spTree>
+    <p:extLst>
+      <p:ext uri="{BB962C8B-B14F-4D97-AF65-F5344CB8AC3E}">
+        <p14:creationId xmlns:p14="http://schemas.microsoft.com/office/powerpoint/2010/main" val="603963913"/>
+      </p:ext>
+    </p:extLst>
+  </p:cSld>
+  <p:clrMapOvr>
+    <a:masterClrMapping/>
+  </p:clrMapOvr>
+</p:sld>
+</file>
+
 <file path=ppt/slides/slide2.xml><?xml version="1.0" encoding="utf-8"?>
 <p:sld xmlns:a="http://schemas.openxmlformats.org/drawingml/2006/main" xmlns:r="http://schemas.openxmlformats.org/officeDocument/2006/relationships" xmlns:p="http://schemas.openxmlformats.org/presentationml/2006/main">
   <p:cSld>
@@ -8076,6 +9206,165 @@
     <p:extLst>
       <p:ext uri="{BB962C8B-B14F-4D97-AF65-F5344CB8AC3E}">
         <p14:creationId xmlns:p14="http://schemas.microsoft.com/office/powerpoint/2010/main" val="668673933"/>
+      </p:ext>
+    </p:extLst>
+  </p:cSld>
+  <p:clrMapOvr>
+    <a:masterClrMapping/>
+  </p:clrMapOvr>
+</p:sld>
+</file>
+
+<file path=ppt/slides/slide9.xml><?xml version="1.0" encoding="utf-8"?>
+<p:sld xmlns:a="http://schemas.openxmlformats.org/drawingml/2006/main" xmlns:r="http://schemas.openxmlformats.org/officeDocument/2006/relationships" xmlns:p="http://schemas.openxmlformats.org/presentationml/2006/main">
+  <p:cSld>
+    <p:spTree>
+      <p:nvGrpSpPr>
+        <p:cNvPr id="1" name=""/>
+        <p:cNvGrpSpPr/>
+        <p:nvPr/>
+      </p:nvGrpSpPr>
+      <p:grpSpPr>
+        <a:xfrm>
+          <a:off x="0" y="0"/>
+          <a:ext cx="0" cy="0"/>
+          <a:chOff x="0" y="0"/>
+          <a:chExt cx="0" cy="0"/>
+        </a:xfrm>
+      </p:grpSpPr>
+      <p:pic>
+        <p:nvPicPr>
+          <p:cNvPr id="6" name="Picture 5">
+            <a:extLst>
+              <a:ext uri="{FF2B5EF4-FFF2-40B4-BE49-F238E27FC236}">
+                <a16:creationId xmlns:a16="http://schemas.microsoft.com/office/drawing/2014/main" id="{5C71F951-7D10-A74F-5A51-503768189FC6}"/>
+              </a:ext>
+            </a:extLst>
+          </p:cNvPr>
+          <p:cNvPicPr>
+            <a:picLocks noChangeAspect="1"/>
+          </p:cNvPicPr>
+          <p:nvPr/>
+        </p:nvPicPr>
+        <p:blipFill>
+          <a:blip r:embed="rId2">
+            <a:extLst>
+              <a:ext uri="{28A0092B-C50C-407E-A947-70E740481C1C}">
+                <a14:useLocalDpi xmlns:a14="http://schemas.microsoft.com/office/drawing/2010/main" val="0"/>
+              </a:ext>
+            </a:extLst>
+          </a:blip>
+          <a:stretch>
+            <a:fillRect/>
+          </a:stretch>
+        </p:blipFill>
+        <p:spPr>
+          <a:xfrm>
+            <a:off x="960774" y="3035850"/>
+            <a:ext cx="1800571" cy="1675365"/>
+          </a:xfrm>
+          <a:prstGeom prst="rect">
+            <a:avLst/>
+          </a:prstGeom>
+        </p:spPr>
+      </p:pic>
+      <p:sp>
+        <p:nvSpPr>
+          <p:cNvPr id="5" name="Rectangle 4">
+            <a:extLst>
+              <a:ext uri="{FF2B5EF4-FFF2-40B4-BE49-F238E27FC236}">
+                <a16:creationId xmlns:a16="http://schemas.microsoft.com/office/drawing/2014/main" id="{A1BC604B-9991-20B5-7040-78581ED4A82C}"/>
+              </a:ext>
+            </a:extLst>
+          </p:cNvPr>
+          <p:cNvSpPr/>
+          <p:nvPr/>
+        </p:nvSpPr>
+        <p:spPr>
+          <a:xfrm>
+            <a:off x="617227" y="1947529"/>
+            <a:ext cx="5350780" cy="1051377"/>
+          </a:xfrm>
+          <a:prstGeom prst="rect">
+            <a:avLst/>
+          </a:prstGeom>
+          <a:solidFill>
+            <a:schemeClr val="bg1"/>
+          </a:solidFill>
+          <a:ln>
+            <a:solidFill>
+              <a:schemeClr val="bg1"/>
+            </a:solidFill>
+          </a:ln>
+        </p:spPr>
+        <p:style>
+          <a:lnRef idx="2">
+            <a:schemeClr val="dk1"/>
+          </a:lnRef>
+          <a:fillRef idx="1">
+            <a:schemeClr val="lt1"/>
+          </a:fillRef>
+          <a:effectRef idx="0">
+            <a:schemeClr val="dk1"/>
+          </a:effectRef>
+          <a:fontRef idx="minor">
+            <a:schemeClr val="dk1"/>
+          </a:fontRef>
+        </p:style>
+        <p:txBody>
+          <a:bodyPr rtlCol="0" anchor="ctr"/>
+          <a:lstStyle/>
+          <a:p>
+            <a:r>
+              <a:rPr lang="en-US" altLang="ja-JP" sz="2120" b="1" dirty="0"/>
+              <a:t>1. You need to set your available time on your calendar</a:t>
+            </a:r>
+          </a:p>
+        </p:txBody>
+      </p:sp>
+      <p:pic>
+        <p:nvPicPr>
+          <p:cNvPr id="3" name="Graphic 2" descr="Monthly calendar">
+            <a:extLst>
+              <a:ext uri="{FF2B5EF4-FFF2-40B4-BE49-F238E27FC236}">
+                <a16:creationId xmlns:a16="http://schemas.microsoft.com/office/drawing/2014/main" id="{BB09B72A-7091-8A5F-BF4E-A03F03EA4867}"/>
+              </a:ext>
+            </a:extLst>
+          </p:cNvPr>
+          <p:cNvPicPr>
+            <a:picLocks noChangeAspect="1"/>
+          </p:cNvPicPr>
+          <p:nvPr/>
+        </p:nvPicPr>
+        <p:blipFill>
+          <a:blip r:embed="rId3">
+            <a:extLst>
+              <a:ext uri="{28A0092B-C50C-407E-A947-70E740481C1C}">
+                <a14:useLocalDpi xmlns:a14="http://schemas.microsoft.com/office/drawing/2010/main" val="0"/>
+              </a:ext>
+              <a:ext uri="{96DAC541-7B7A-43D3-8B79-37D633B846F1}">
+                <asvg:svgBlip xmlns:asvg="http://schemas.microsoft.com/office/drawing/2016/SVG/main" r:embed="rId4"/>
+              </a:ext>
+            </a:extLst>
+          </a:blip>
+          <a:stretch>
+            <a:fillRect/>
+          </a:stretch>
+        </p:blipFill>
+        <p:spPr>
+          <a:xfrm>
+            <a:off x="3472352" y="2829220"/>
+            <a:ext cx="2059749" cy="2059749"/>
+          </a:xfrm>
+          <a:prstGeom prst="rect">
+            <a:avLst/>
+          </a:prstGeom>
+        </p:spPr>
+      </p:pic>
+    </p:spTree>
+    <p:extLst>
+      <p:ext uri="{BB962C8B-B14F-4D97-AF65-F5344CB8AC3E}">
+        <p14:creationId xmlns:p14="http://schemas.microsoft.com/office/powerpoint/2010/main" val="3006624239"/>
       </p:ext>
     </p:extLst>
   </p:cSld>
